--- a/images/Master.pptx
+++ b/images/Master.pptx
@@ -6075,10 +6075,10 @@
                 </a:solidFill>
                 <a:latin typeface="Bahnschrift Condensed" panose="020B0502040204020203" pitchFamily="34" charset="0"/>
               </a:rPr>
-              <a:t>IS IT POSSIBLE TO </a:t>
-            </a:r>
-            <a:r>
-              <a:rPr lang="en-US" sz="3200" i="1" dirty="0">
+              <a:t>IS IT POSSIBLE </a:t>
+            </a:r>
+            <a:r>
+              <a:rPr lang="en-US" sz="3200">
                 <a:solidFill>
                   <a:srgbClr val="CCDDEA">
                     <a:lumMod val="10000"/>
@@ -6086,7 +6086,29 @@
                 </a:solidFill>
                 <a:latin typeface="Bahnschrift Condensed" panose="020B0502040204020203" pitchFamily="34" charset="0"/>
               </a:rPr>
-              <a:t>CLASSIFY</a:t>
+              <a:t>TO </a:t>
+            </a:r>
+            <a:r>
+              <a:rPr lang="en-US" sz="3200" i="1">
+                <a:solidFill>
+                  <a:srgbClr val="CCDDEA">
+                    <a:lumMod val="10000"/>
+                  </a:srgbClr>
+                </a:solidFill>
+                <a:latin typeface="Bahnschrift Condensed" panose="020B0502040204020203" pitchFamily="34" charset="0"/>
+              </a:rPr>
+              <a:t>CLASSIFY </a:t>
+            </a:r>
+            <a:r>
+              <a:rPr lang="en-US" sz="3200">
+                <a:solidFill>
+                  <a:srgbClr val="CCDDEA">
+                    <a:lumMod val="10000"/>
+                  </a:srgbClr>
+                </a:solidFill>
+                <a:latin typeface="Bahnschrift Condensed" panose="020B0502040204020203" pitchFamily="34" charset="0"/>
+              </a:rPr>
+              <a:t> </a:t>
             </a:r>
             <a:r>
               <a:rPr lang="en-US" sz="3200" dirty="0">
@@ -6097,7 +6119,7 @@
                 </a:solidFill>
                 <a:latin typeface="Bahnschrift Condensed" panose="020B0502040204020203" pitchFamily="34" charset="0"/>
               </a:rPr>
-              <a:t> SPAM BASED ON THE EMAIL TEXT ?</a:t>
+              <a:t>SPAM BASED ON THE EMAIL TEXT ?</a:t>
             </a:r>
             <a:endParaRPr kumimoji="0" lang="en-IE" sz="3200" b="0" i="0" u="none" strike="noStrike" kern="1200" cap="none" spc="0" normalizeH="0" baseline="0" noProof="0" dirty="0">
               <a:ln>
